--- a/documentos_primeirosacessos/E-mail.pptx
+++ b/documentos_primeirosacessos/E-mail.pptx
@@ -6,17 +6,18 @@
   </p:sldMasterIdLst>
   <p:sldIdLst>
     <p:sldId id="265" r:id="rId2"/>
-    <p:sldId id="269" r:id="rId3"/>
-    <p:sldId id="268" r:id="rId4"/>
-    <p:sldId id="257" r:id="rId5"/>
-    <p:sldId id="258" r:id="rId6"/>
-    <p:sldId id="260" r:id="rId7"/>
-    <p:sldId id="263" r:id="rId8"/>
-    <p:sldId id="270" r:id="rId9"/>
-    <p:sldId id="261" r:id="rId10"/>
-    <p:sldId id="262" r:id="rId11"/>
-    <p:sldId id="264" r:id="rId12"/>
-    <p:sldId id="267" r:id="rId13"/>
+    <p:sldId id="271" r:id="rId3"/>
+    <p:sldId id="269" r:id="rId4"/>
+    <p:sldId id="268" r:id="rId5"/>
+    <p:sldId id="257" r:id="rId6"/>
+    <p:sldId id="258" r:id="rId7"/>
+    <p:sldId id="260" r:id="rId8"/>
+    <p:sldId id="263" r:id="rId9"/>
+    <p:sldId id="270" r:id="rId10"/>
+    <p:sldId id="261" r:id="rId11"/>
+    <p:sldId id="262" r:id="rId12"/>
+    <p:sldId id="264" r:id="rId13"/>
+    <p:sldId id="267" r:id="rId14"/>
   </p:sldIdLst>
   <p:sldSz cx="12192000" cy="6858000"/>
   <p:notesSz cx="6858000" cy="9144000"/>
@@ -254,7 +255,7 @@
           <a:p>
             <a:fld id="{2894F73E-CD56-4618-95FE-4DC3FA309881}" type="datetimeFigureOut">
               <a:rPr lang="pt-BR" smtClean="0"/>
-              <a:t>19/07/2020</a:t>
+              <a:t>21/07/2020</a:t>
             </a:fld>
             <a:endParaRPr lang="pt-BR"/>
           </a:p>
@@ -424,7 +425,7 @@
           <a:p>
             <a:fld id="{2894F73E-CD56-4618-95FE-4DC3FA309881}" type="datetimeFigureOut">
               <a:rPr lang="pt-BR" smtClean="0"/>
-              <a:t>19/07/2020</a:t>
+              <a:t>21/07/2020</a:t>
             </a:fld>
             <a:endParaRPr lang="pt-BR"/>
           </a:p>
@@ -604,7 +605,7 @@
           <a:p>
             <a:fld id="{2894F73E-CD56-4618-95FE-4DC3FA309881}" type="datetimeFigureOut">
               <a:rPr lang="pt-BR" smtClean="0"/>
-              <a:t>19/07/2020</a:t>
+              <a:t>21/07/2020</a:t>
             </a:fld>
             <a:endParaRPr lang="pt-BR"/>
           </a:p>
@@ -774,7 +775,7 @@
           <a:p>
             <a:fld id="{2894F73E-CD56-4618-95FE-4DC3FA309881}" type="datetimeFigureOut">
               <a:rPr lang="pt-BR" smtClean="0"/>
-              <a:t>19/07/2020</a:t>
+              <a:t>21/07/2020</a:t>
             </a:fld>
             <a:endParaRPr lang="pt-BR"/>
           </a:p>
@@ -1020,7 +1021,7 @@
           <a:p>
             <a:fld id="{2894F73E-CD56-4618-95FE-4DC3FA309881}" type="datetimeFigureOut">
               <a:rPr lang="pt-BR" smtClean="0"/>
-              <a:t>19/07/2020</a:t>
+              <a:t>21/07/2020</a:t>
             </a:fld>
             <a:endParaRPr lang="pt-BR"/>
           </a:p>
@@ -1252,7 +1253,7 @@
           <a:p>
             <a:fld id="{2894F73E-CD56-4618-95FE-4DC3FA309881}" type="datetimeFigureOut">
               <a:rPr lang="pt-BR" smtClean="0"/>
-              <a:t>19/07/2020</a:t>
+              <a:t>21/07/2020</a:t>
             </a:fld>
             <a:endParaRPr lang="pt-BR"/>
           </a:p>
@@ -1619,7 +1620,7 @@
           <a:p>
             <a:fld id="{2894F73E-CD56-4618-95FE-4DC3FA309881}" type="datetimeFigureOut">
               <a:rPr lang="pt-BR" smtClean="0"/>
-              <a:t>19/07/2020</a:t>
+              <a:t>21/07/2020</a:t>
             </a:fld>
             <a:endParaRPr lang="pt-BR"/>
           </a:p>
@@ -1737,7 +1738,7 @@
           <a:p>
             <a:fld id="{2894F73E-CD56-4618-95FE-4DC3FA309881}" type="datetimeFigureOut">
               <a:rPr lang="pt-BR" smtClean="0"/>
-              <a:t>19/07/2020</a:t>
+              <a:t>21/07/2020</a:t>
             </a:fld>
             <a:endParaRPr lang="pt-BR"/>
           </a:p>
@@ -1832,7 +1833,7 @@
           <a:p>
             <a:fld id="{2894F73E-CD56-4618-95FE-4DC3FA309881}" type="datetimeFigureOut">
               <a:rPr lang="pt-BR" smtClean="0"/>
-              <a:t>19/07/2020</a:t>
+              <a:t>21/07/2020</a:t>
             </a:fld>
             <a:endParaRPr lang="pt-BR"/>
           </a:p>
@@ -2109,7 +2110,7 @@
           <a:p>
             <a:fld id="{2894F73E-CD56-4618-95FE-4DC3FA309881}" type="datetimeFigureOut">
               <a:rPr lang="pt-BR" smtClean="0"/>
-              <a:t>19/07/2020</a:t>
+              <a:t>21/07/2020</a:t>
             </a:fld>
             <a:endParaRPr lang="pt-BR"/>
           </a:p>
@@ -2362,7 +2363,7 @@
           <a:p>
             <a:fld id="{2894F73E-CD56-4618-95FE-4DC3FA309881}" type="datetimeFigureOut">
               <a:rPr lang="pt-BR" smtClean="0"/>
-              <a:t>19/07/2020</a:t>
+              <a:t>21/07/2020</a:t>
             </a:fld>
             <a:endParaRPr lang="pt-BR"/>
           </a:p>
@@ -2575,7 +2576,7 @@
           <a:p>
             <a:fld id="{2894F73E-CD56-4618-95FE-4DC3FA309881}" type="datetimeFigureOut">
               <a:rPr lang="pt-BR" smtClean="0"/>
-              <a:t>19/07/2020</a:t>
+              <a:t>21/07/2020</a:t>
             </a:fld>
             <a:endParaRPr lang="pt-BR"/>
           </a:p>
@@ -3463,6 +3464,456 @@
       </p:grpSp>
       <p:pic>
         <p:nvPicPr>
+          <p:cNvPr id="8" name="Espaço Reservado para Conteúdo 7"/>
+          <p:cNvPicPr>
+            <a:picLocks noGrp="1" noChangeAspect="1"/>
+          </p:cNvPicPr>
+          <p:nvPr>
+            <p:ph idx="1"/>
+          </p:nvPr>
+        </p:nvPicPr>
+        <p:blipFill rotWithShape="1">
+          <a:blip r:embed="rId3">
+            <a:extLst>
+              <a:ext uri="{28A0092B-C50C-407E-A947-70E740481C1C}">
+                <a14:useLocalDpi xmlns:a14="http://schemas.microsoft.com/office/drawing/2010/main" val="0"/>
+              </a:ext>
+            </a:extLst>
+          </a:blip>
+          <a:srcRect l="33419" t="2775" r="33901" b="3562"/>
+          <a:stretch/>
+        </p:blipFill>
+        <p:spPr>
+          <a:xfrm>
+            <a:off x="4059476" y="1282770"/>
+            <a:ext cx="3777567" cy="5215050"/>
+          </a:xfrm>
+        </p:spPr>
+      </p:pic>
+      <p:pic>
+        <p:nvPicPr>
+          <p:cNvPr id="5122" name="Picture 2" descr="ARAUCO Brasil | Coleção Masisa | Branco Platinum"/>
+          <p:cNvPicPr>
+            <a:picLocks noChangeAspect="1" noChangeArrowheads="1"/>
+          </p:cNvPicPr>
+          <p:nvPr/>
+        </p:nvPicPr>
+        <p:blipFill rotWithShape="1">
+          <a:blip r:embed="rId4">
+            <a:extLst>
+              <a:ext uri="{28A0092B-C50C-407E-A947-70E740481C1C}">
+                <a14:useLocalDpi xmlns:a14="http://schemas.microsoft.com/office/drawing/2010/main" val="0"/>
+              </a:ext>
+            </a:extLst>
+          </a:blip>
+          <a:srcRect r="34944" b="8168"/>
+          <a:stretch/>
+        </p:blipFill>
+        <p:spPr bwMode="auto">
+          <a:xfrm>
+            <a:off x="3986886" y="3712759"/>
+            <a:ext cx="3263000" cy="545731"/>
+          </a:xfrm>
+          <a:prstGeom prst="rect">
+            <a:avLst/>
+          </a:prstGeom>
+          <a:noFill/>
+          <a:extLst>
+            <a:ext uri="{909E8E84-426E-40DD-AFC4-6F175D3DCCD1}">
+              <a14:hiddenFill xmlns:a14="http://schemas.microsoft.com/office/drawing/2010/main">
+                <a:solidFill>
+                  <a:srgbClr val="FFFFFF"/>
+                </a:solidFill>
+              </a14:hiddenFill>
+            </a:ext>
+          </a:extLst>
+        </p:spPr>
+      </p:pic>
+      <p:sp>
+        <p:nvSpPr>
+          <p:cNvPr id="10" name="Retângulo 9"/>
+          <p:cNvSpPr/>
+          <p:nvPr/>
+        </p:nvSpPr>
+        <p:spPr>
+          <a:xfrm>
+            <a:off x="4339045" y="3799440"/>
+            <a:ext cx="2793275" cy="476858"/>
+          </a:xfrm>
+          <a:prstGeom prst="rect">
+            <a:avLst/>
+          </a:prstGeom>
+          <a:noFill/>
+          <a:ln w="28575">
+            <a:solidFill>
+              <a:srgbClr val="FF0000"/>
+            </a:solidFill>
+          </a:ln>
+        </p:spPr>
+        <p:style>
+          <a:lnRef idx="2">
+            <a:schemeClr val="accent1">
+              <a:shade val="50000"/>
+            </a:schemeClr>
+          </a:lnRef>
+          <a:fillRef idx="1">
+            <a:schemeClr val="accent1"/>
+          </a:fillRef>
+          <a:effectRef idx="0">
+            <a:schemeClr val="accent1"/>
+          </a:effectRef>
+          <a:fontRef idx="minor">
+            <a:schemeClr val="lt1"/>
+          </a:fontRef>
+        </p:style>
+        <p:txBody>
+          <a:bodyPr rtlCol="0" anchor="ctr"/>
+          <a:lstStyle/>
+          <a:p>
+            <a:pPr algn="ctr"/>
+            <a:endParaRPr lang="pt-BR"/>
+          </a:p>
+        </p:txBody>
+      </p:sp>
+      <p:sp>
+        <p:nvSpPr>
+          <p:cNvPr id="11" name="Retângulo 10"/>
+          <p:cNvSpPr/>
+          <p:nvPr/>
+        </p:nvSpPr>
+        <p:spPr>
+          <a:xfrm>
+            <a:off x="4536515" y="3844299"/>
+            <a:ext cx="2435347" cy="369332"/>
+          </a:xfrm>
+          <a:prstGeom prst="rect">
+            <a:avLst/>
+          </a:prstGeom>
+        </p:spPr>
+        <p:txBody>
+          <a:bodyPr wrap="none">
+            <a:spAutoFit/>
+          </a:bodyPr>
+          <a:lstStyle/>
+          <a:p>
+            <a:r>
+              <a:rPr lang="pt-BR" dirty="0"/>
+              <a:t>Digite a senha </a:t>
+            </a:r>
+            <a:r>
+              <a:rPr lang="pt-BR" dirty="0" smtClean="0"/>
+              <a:t>definitiva</a:t>
+            </a:r>
+            <a:endParaRPr lang="pt-BR" dirty="0"/>
+          </a:p>
+        </p:txBody>
+      </p:sp>
+      <p:pic>
+        <p:nvPicPr>
+          <p:cNvPr id="15" name="Picture 2" descr="ARAUCO Brasil | Coleção Masisa | Branco Platinum"/>
+          <p:cNvPicPr>
+            <a:picLocks noChangeAspect="1" noChangeArrowheads="1"/>
+          </p:cNvPicPr>
+          <p:nvPr/>
+        </p:nvPicPr>
+        <p:blipFill>
+          <a:blip r:embed="rId5" cstate="print">
+            <a:extLst>
+              <a:ext uri="{28A0092B-C50C-407E-A947-70E740481C1C}">
+                <a14:useLocalDpi xmlns:a14="http://schemas.microsoft.com/office/drawing/2010/main" val="0"/>
+              </a:ext>
+            </a:extLst>
+          </a:blip>
+          <a:srcRect/>
+          <a:stretch>
+            <a:fillRect/>
+          </a:stretch>
+        </p:blipFill>
+        <p:spPr bwMode="auto">
+          <a:xfrm>
+            <a:off x="4470346" y="4620233"/>
+            <a:ext cx="1943331" cy="287798"/>
+          </a:xfrm>
+          <a:prstGeom prst="rect">
+            <a:avLst/>
+          </a:prstGeom>
+          <a:noFill/>
+          <a:extLst>
+            <a:ext uri="{909E8E84-426E-40DD-AFC4-6F175D3DCCD1}">
+              <a14:hiddenFill xmlns:a14="http://schemas.microsoft.com/office/drawing/2010/main">
+                <a:solidFill>
+                  <a:srgbClr val="FFFFFF"/>
+                </a:solidFill>
+              </a14:hiddenFill>
+            </a:ext>
+          </a:extLst>
+        </p:spPr>
+      </p:pic>
+      <p:pic>
+        <p:nvPicPr>
+          <p:cNvPr id="14" name="Picture 2" descr="ARAUCO Brasil | Coleção Masisa | Branco Platinum"/>
+          <p:cNvPicPr>
+            <a:picLocks noChangeAspect="1" noChangeArrowheads="1"/>
+          </p:cNvPicPr>
+          <p:nvPr/>
+        </p:nvPicPr>
+        <p:blipFill rotWithShape="1">
+          <a:blip r:embed="rId4">
+            <a:extLst>
+              <a:ext uri="{28A0092B-C50C-407E-A947-70E740481C1C}">
+                <a14:useLocalDpi xmlns:a14="http://schemas.microsoft.com/office/drawing/2010/main" val="0"/>
+              </a:ext>
+            </a:extLst>
+          </a:blip>
+          <a:srcRect r="34944" b="8168"/>
+          <a:stretch/>
+        </p:blipFill>
+        <p:spPr bwMode="auto">
+          <a:xfrm>
+            <a:off x="4146957" y="4491266"/>
+            <a:ext cx="3263000" cy="545731"/>
+          </a:xfrm>
+          <a:prstGeom prst="rect">
+            <a:avLst/>
+          </a:prstGeom>
+          <a:noFill/>
+          <a:extLst>
+            <a:ext uri="{909E8E84-426E-40DD-AFC4-6F175D3DCCD1}">
+              <a14:hiddenFill xmlns:a14="http://schemas.microsoft.com/office/drawing/2010/main">
+                <a:solidFill>
+                  <a:srgbClr val="FFFFFF"/>
+                </a:solidFill>
+              </a14:hiddenFill>
+            </a:ext>
+          </a:extLst>
+        </p:spPr>
+      </p:pic>
+      <p:sp>
+        <p:nvSpPr>
+          <p:cNvPr id="12" name="Retângulo 11"/>
+          <p:cNvSpPr/>
+          <p:nvPr/>
+        </p:nvSpPr>
+        <p:spPr>
+          <a:xfrm>
+            <a:off x="4536515" y="4520891"/>
+            <a:ext cx="2483885" cy="369332"/>
+          </a:xfrm>
+          <a:prstGeom prst="rect">
+            <a:avLst/>
+          </a:prstGeom>
+        </p:spPr>
+        <p:txBody>
+          <a:bodyPr wrap="none">
+            <a:spAutoFit/>
+          </a:bodyPr>
+          <a:lstStyle/>
+          <a:p>
+            <a:r>
+              <a:rPr lang="pt-BR" dirty="0" smtClean="0"/>
+              <a:t>Repita a </a:t>
+            </a:r>
+            <a:r>
+              <a:rPr lang="pt-BR" dirty="0"/>
+              <a:t>senha </a:t>
+            </a:r>
+            <a:r>
+              <a:rPr lang="pt-BR" dirty="0" smtClean="0"/>
+              <a:t>definitiva</a:t>
+            </a:r>
+            <a:endParaRPr lang="pt-BR" dirty="0"/>
+          </a:p>
+        </p:txBody>
+      </p:sp>
+      <p:sp>
+        <p:nvSpPr>
+          <p:cNvPr id="13" name="Retângulo 12"/>
+          <p:cNvSpPr/>
+          <p:nvPr/>
+        </p:nvSpPr>
+        <p:spPr>
+          <a:xfrm>
+            <a:off x="4339045" y="4503083"/>
+            <a:ext cx="2793275" cy="404948"/>
+          </a:xfrm>
+          <a:prstGeom prst="rect">
+            <a:avLst/>
+          </a:prstGeom>
+          <a:noFill/>
+          <a:ln w="28575">
+            <a:solidFill>
+              <a:srgbClr val="FF0000"/>
+            </a:solidFill>
+          </a:ln>
+        </p:spPr>
+        <p:style>
+          <a:lnRef idx="2">
+            <a:schemeClr val="accent1">
+              <a:shade val="50000"/>
+            </a:schemeClr>
+          </a:lnRef>
+          <a:fillRef idx="1">
+            <a:schemeClr val="accent1"/>
+          </a:fillRef>
+          <a:effectRef idx="0">
+            <a:schemeClr val="accent1"/>
+          </a:effectRef>
+          <a:fontRef idx="minor">
+            <a:schemeClr val="lt1"/>
+          </a:fontRef>
+        </p:style>
+        <p:txBody>
+          <a:bodyPr rtlCol="0" anchor="ctr"/>
+          <a:lstStyle/>
+          <a:p>
+            <a:pPr algn="ctr"/>
+            <a:endParaRPr lang="pt-BR"/>
+          </a:p>
+        </p:txBody>
+      </p:sp>
+    </p:spTree>
+    <p:extLst>
+      <p:ext uri="{BB962C8B-B14F-4D97-AF65-F5344CB8AC3E}">
+        <p14:creationId xmlns:p14="http://schemas.microsoft.com/office/powerpoint/2010/main" val="2100604034"/>
+      </p:ext>
+    </p:extLst>
+  </p:cSld>
+  <p:clrMapOvr>
+    <a:masterClrMapping/>
+  </p:clrMapOvr>
+  <p:timing>
+    <p:tnLst>
+      <p:par>
+        <p:cTn id="1" dur="indefinite" restart="never" nodeType="tmRoot"/>
+      </p:par>
+    </p:tnLst>
+  </p:timing>
+</p:sld>
+</file>
+
+<file path=ppt/slides/slide11.xml><?xml version="1.0" encoding="utf-8"?>
+<p:sld xmlns:a="http://schemas.openxmlformats.org/drawingml/2006/main" xmlns:r="http://schemas.openxmlformats.org/officeDocument/2006/relationships" xmlns:p="http://schemas.openxmlformats.org/presentationml/2006/main">
+  <p:cSld>
+    <p:spTree>
+      <p:nvGrpSpPr>
+        <p:cNvPr id="1" name=""/>
+        <p:cNvGrpSpPr/>
+        <p:nvPr/>
+      </p:nvGrpSpPr>
+      <p:grpSpPr>
+        <a:xfrm>
+          <a:off x="0" y="0"/>
+          <a:ext cx="0" cy="0"/>
+          <a:chOff x="0" y="0"/>
+          <a:chExt cx="0" cy="0"/>
+        </a:xfrm>
+      </p:grpSpPr>
+      <p:grpSp>
+        <p:nvGrpSpPr>
+          <p:cNvPr id="4" name="Agrupar 3"/>
+          <p:cNvGrpSpPr/>
+          <p:nvPr/>
+        </p:nvGrpSpPr>
+        <p:grpSpPr>
+          <a:xfrm>
+            <a:off x="0" y="0"/>
+            <a:ext cx="12192000" cy="1282769"/>
+            <a:chOff x="0" y="0"/>
+            <a:chExt cx="12192000" cy="1282769"/>
+          </a:xfrm>
+        </p:grpSpPr>
+        <p:sp>
+          <p:nvSpPr>
+            <p:cNvPr id="5" name="Retângulo 4"/>
+            <p:cNvSpPr/>
+            <p:nvPr/>
+          </p:nvSpPr>
+          <p:spPr>
+            <a:xfrm>
+              <a:off x="1632857" y="0"/>
+              <a:ext cx="10559143" cy="1282769"/>
+            </a:xfrm>
+            <a:prstGeom prst="rect">
+              <a:avLst/>
+            </a:prstGeom>
+            <a:solidFill>
+              <a:srgbClr val="006461"/>
+            </a:solidFill>
+          </p:spPr>
+          <p:style>
+            <a:lnRef idx="2">
+              <a:schemeClr val="accent1">
+                <a:shade val="50000"/>
+              </a:schemeClr>
+            </a:lnRef>
+            <a:fillRef idx="1">
+              <a:schemeClr val="accent1"/>
+            </a:fillRef>
+            <a:effectRef idx="0">
+              <a:schemeClr val="accent1"/>
+            </a:effectRef>
+            <a:fontRef idx="minor">
+              <a:schemeClr val="lt1"/>
+            </a:fontRef>
+          </p:style>
+          <p:txBody>
+            <a:bodyPr rtlCol="0" anchor="ctr"/>
+            <a:lstStyle/>
+            <a:p>
+              <a:pPr algn="ctr"/>
+              <a:endParaRPr lang="pt-BR"/>
+            </a:p>
+          </p:txBody>
+        </p:sp>
+        <p:pic>
+          <p:nvPicPr>
+            <p:cNvPr id="6" name="Imagem 5">
+              <a:extLst>
+                <a:ext uri="{FF2B5EF4-FFF2-40B4-BE49-F238E27FC236}">
+                  <a16:creationId xmlns:a16="http://schemas.microsoft.com/office/drawing/2014/main" id="{FEC16F6E-8DF3-4422-8E41-35D556DF9F14}"/>
+                </a:ext>
+              </a:extLst>
+            </p:cNvPr>
+            <p:cNvPicPr>
+              <a:picLocks noChangeAspect="1"/>
+            </p:cNvPicPr>
+            <p:nvPr/>
+          </p:nvPicPr>
+          <p:blipFill>
+            <a:blip r:embed="rId2" cstate="print">
+              <a:extLst>
+                <a:ext uri="{28A0092B-C50C-407E-A947-70E740481C1C}">
+                  <a14:useLocalDpi xmlns:a14="http://schemas.microsoft.com/office/drawing/2010/main" val="0"/>
+                </a:ext>
+              </a:extLst>
+            </a:blip>
+            <a:stretch>
+              <a:fillRect/>
+            </a:stretch>
+          </p:blipFill>
+          <p:spPr>
+            <a:xfrm>
+              <a:off x="0" y="0"/>
+              <a:ext cx="1632857" cy="1282769"/>
+            </a:xfrm>
+            <a:prstGeom prst="rect">
+              <a:avLst/>
+            </a:prstGeom>
+            <a:ln>
+              <a:noFill/>
+            </a:ln>
+            <a:effectLst>
+              <a:outerShdw blurRad="190500" algn="tl" rotWithShape="0">
+                <a:srgbClr val="000000">
+                  <a:alpha val="70000"/>
+                </a:srgbClr>
+              </a:outerShdw>
+            </a:effectLst>
+          </p:spPr>
+        </p:pic>
+      </p:grpSp>
+      <p:pic>
+        <p:nvPicPr>
           <p:cNvPr id="7" name="Espaço Reservado para Conteúdo 6"/>
           <p:cNvPicPr>
             <a:picLocks noGrp="1" noChangeAspect="1"/>
@@ -3603,7 +4054,7 @@
 </p:sld>
 </file>
 
-<file path=ppt/slides/slide11.xml><?xml version="1.0" encoding="utf-8"?>
+<file path=ppt/slides/slide12.xml><?xml version="1.0" encoding="utf-8"?>
 <p:sld xmlns:a="http://schemas.openxmlformats.org/drawingml/2006/main" xmlns:r="http://schemas.openxmlformats.org/officeDocument/2006/relationships" xmlns:p="http://schemas.openxmlformats.org/presentationml/2006/main">
   <p:cSld>
     <p:spTree>
@@ -3878,7 +4329,7 @@
 </p:sld>
 </file>
 
-<file path=ppt/slides/slide12.xml><?xml version="1.0" encoding="utf-8"?>
+<file path=ppt/slides/slide13.xml><?xml version="1.0" encoding="utf-8"?>
 <p:sld xmlns:a="http://schemas.openxmlformats.org/drawingml/2006/main" xmlns:r="http://schemas.openxmlformats.org/officeDocument/2006/relationships" xmlns:p="http://schemas.openxmlformats.org/presentationml/2006/main">
   <p:cSld>
     <p:spTree>
@@ -4229,26 +4680,41 @@
       </p:grpSpPr>
       <p:pic>
         <p:nvPicPr>
-          <p:cNvPr id="4" name="Imagem 3"/>
+          <p:cNvPr id="1026" name="Picture 2" descr="gmail-2014 – Perifatividade"/>
           <p:cNvPicPr>
-            <a:picLocks noChangeAspect="1"/>
+            <a:picLocks noChangeAspect="1" noChangeArrowheads="1"/>
           </p:cNvPicPr>
           <p:nvPr/>
         </p:nvPicPr>
-        <p:blipFill>
-          <a:blip r:embed="rId2"/>
-          <a:stretch>
-            <a:fillRect/>
-          </a:stretch>
+        <p:blipFill rotWithShape="1">
+          <a:blip r:embed="rId2">
+            <a:extLst>
+              <a:ext uri="{28A0092B-C50C-407E-A947-70E740481C1C}">
+                <a14:useLocalDpi xmlns:a14="http://schemas.microsoft.com/office/drawing/2010/main" val="0"/>
+              </a:ext>
+            </a:extLst>
+          </a:blip>
+          <a:srcRect l="12335" t="21201" r="11632" b="22120"/>
+          <a:stretch/>
         </p:blipFill>
-        <p:spPr>
-          <a:xfrm>
-            <a:off x="1150076" y="1282769"/>
-            <a:ext cx="9944100" cy="5191125"/>
+        <p:spPr bwMode="auto">
+          <a:xfrm>
+            <a:off x="5018313" y="1282769"/>
+            <a:ext cx="2155372" cy="1606731"/>
           </a:xfrm>
           <a:prstGeom prst="rect">
             <a:avLst/>
           </a:prstGeom>
+          <a:noFill/>
+          <a:extLst>
+            <a:ext uri="{909E8E84-426E-40DD-AFC4-6F175D3DCCD1}">
+              <a14:hiddenFill xmlns:a14="http://schemas.microsoft.com/office/drawing/2010/main">
+                <a:solidFill>
+                  <a:srgbClr val="FFFFFF"/>
+                </a:solidFill>
+              </a14:hiddenFill>
+            </a:ext>
+          </a:extLst>
         </p:spPr>
       </p:pic>
       <p:grpSp>
@@ -4357,14 +4823,59 @@
       </p:grpSp>
       <p:sp>
         <p:nvSpPr>
-          <p:cNvPr id="8" name="Retângulo 7"/>
+          <p:cNvPr id="8" name="CaixaDeTexto 7"/>
+          <p:cNvSpPr txBox="1"/>
+          <p:nvPr/>
+        </p:nvSpPr>
+        <p:spPr>
+          <a:xfrm>
+            <a:off x="1208314" y="3288771"/>
+            <a:ext cx="4624251" cy="1200329"/>
+          </a:xfrm>
+          <a:prstGeom prst="rect">
+            <a:avLst/>
+          </a:prstGeom>
+          <a:noFill/>
+        </p:spPr>
+        <p:txBody>
+          <a:bodyPr wrap="square" rtlCol="0">
+            <a:spAutoFit/>
+          </a:bodyPr>
+          <a:lstStyle/>
+          <a:p>
+            <a:pPr algn="ctr"/>
+            <a:r>
+              <a:rPr lang="pt-BR" sz="2400" dirty="0" smtClean="0"/>
+              <a:t/>
+            </a:r>
+            <a:br>
+              <a:rPr lang="pt-BR" sz="2400" dirty="0" smtClean="0"/>
+            </a:br>
+            <a:r>
+              <a:rPr lang="pt-BR" sz="2400" dirty="0" smtClean="0"/>
+              <a:t/>
+            </a:r>
+            <a:br>
+              <a:rPr lang="pt-BR" sz="2400" dirty="0" smtClean="0"/>
+            </a:br>
+            <a:r>
+              <a:rPr lang="pt-BR" sz="2400" dirty="0" smtClean="0"/>
+              <a:t>Por que usar e-mail corporativo?</a:t>
+            </a:r>
+            <a:endParaRPr lang="pt-BR" sz="1600" dirty="0"/>
+          </a:p>
+        </p:txBody>
+      </p:sp>
+      <p:sp>
+        <p:nvSpPr>
+          <p:cNvPr id="9" name="Retângulo 8"/>
           <p:cNvSpPr/>
           <p:nvPr/>
         </p:nvSpPr>
         <p:spPr>
           <a:xfrm>
-            <a:off x="1776549" y="4153989"/>
-            <a:ext cx="3631474" cy="222068"/>
+            <a:off x="992778" y="3288771"/>
+            <a:ext cx="4937760" cy="2266496"/>
           </a:xfrm>
           <a:prstGeom prst="rect">
             <a:avLst/>
@@ -4372,7 +4883,7 @@
           <a:noFill/>
           <a:ln w="28575">
             <a:solidFill>
-              <a:srgbClr val="FF0000"/>
+              <a:srgbClr val="0070C0"/>
             </a:solidFill>
           </a:ln>
         </p:spPr>
@@ -4401,52 +4912,16 @@
           </a:p>
         </p:txBody>
       </p:sp>
-      <p:cxnSp>
-        <p:nvCxnSpPr>
-          <p:cNvPr id="10" name="Conector Angulado 9"/>
-          <p:cNvCxnSpPr/>
-          <p:nvPr/>
-        </p:nvCxnSpPr>
-        <p:spPr>
-          <a:xfrm flipV="1">
-            <a:off x="5408023" y="3487783"/>
-            <a:ext cx="927463" cy="783771"/>
-          </a:xfrm>
-          <a:prstGeom prst="bentConnector3">
-            <a:avLst/>
-          </a:prstGeom>
-          <a:ln>
-            <a:solidFill>
-              <a:srgbClr val="FF0000"/>
-            </a:solidFill>
-            <a:tailEnd type="triangle"/>
-          </a:ln>
-        </p:spPr>
-        <p:style>
-          <a:lnRef idx="1">
-            <a:schemeClr val="accent1"/>
-          </a:lnRef>
-          <a:fillRef idx="0">
-            <a:schemeClr val="accent1"/>
-          </a:fillRef>
-          <a:effectRef idx="0">
-            <a:schemeClr val="accent1"/>
-          </a:effectRef>
-          <a:fontRef idx="minor">
-            <a:schemeClr val="tx1"/>
-          </a:fontRef>
-        </p:style>
-      </p:cxnSp>
-      <p:sp>
-        <p:nvSpPr>
-          <p:cNvPr id="11" name="CaixaDeTexto 10"/>
+      <p:sp>
+        <p:nvSpPr>
+          <p:cNvPr id="10" name="CaixaDeTexto 9"/>
           <p:cNvSpPr txBox="1"/>
           <p:nvPr/>
         </p:nvSpPr>
         <p:spPr>
           <a:xfrm>
-            <a:off x="6165668" y="3211960"/>
-            <a:ext cx="2873829" cy="1384995"/>
+            <a:off x="6472645" y="3288771"/>
+            <a:ext cx="4624251" cy="2246769"/>
           </a:xfrm>
           <a:prstGeom prst="rect">
             <a:avLst/>
@@ -4462,30 +4937,30 @@
             <a:pPr algn="ctr"/>
             <a:r>
               <a:rPr lang="pt-BR" sz="2800" dirty="0" smtClean="0"/>
-              <a:t>Clique com o botão esquerdo do mousse</a:t>
-            </a:r>
-            <a:endParaRPr lang="pt-BR" sz="2800" dirty="0"/>
-          </a:p>
-        </p:txBody>
-      </p:sp>
-      <p:sp>
-        <p:nvSpPr>
-          <p:cNvPr id="12" name="Retângulo 11"/>
+              <a:t>O e-mail corporativo aumenta a credibilidade da identidade da empresa, passando mais confiança e segurança, seja a clientes e funcionários.</a:t>
+            </a:r>
+            <a:endParaRPr lang="pt-BR" dirty="0"/>
+          </a:p>
+        </p:txBody>
+      </p:sp>
+      <p:sp>
+        <p:nvSpPr>
+          <p:cNvPr id="11" name="Retângulo 10"/>
           <p:cNvSpPr/>
           <p:nvPr/>
         </p:nvSpPr>
         <p:spPr>
           <a:xfrm>
-            <a:off x="6335486" y="3211960"/>
-            <a:ext cx="2599508" cy="1384995"/>
+            <a:off x="6315890" y="3288771"/>
+            <a:ext cx="4937760" cy="2266496"/>
           </a:xfrm>
           <a:prstGeom prst="rect">
             <a:avLst/>
           </a:prstGeom>
           <a:noFill/>
-          <a:ln>
+          <a:ln w="28575">
             <a:solidFill>
-              <a:srgbClr val="FF0000"/>
+              <a:srgbClr val="0070C0"/>
             </a:solidFill>
           </a:ln>
         </p:spPr>
@@ -4517,13 +4992,20 @@
     </p:spTree>
     <p:extLst>
       <p:ext uri="{BB962C8B-B14F-4D97-AF65-F5344CB8AC3E}">
-        <p14:creationId xmlns:p14="http://schemas.microsoft.com/office/powerpoint/2010/main" val="1198552698"/>
+        <p14:creationId xmlns:p14="http://schemas.microsoft.com/office/powerpoint/2010/main" val="3764620602"/>
       </p:ext>
     </p:extLst>
   </p:cSld>
   <p:clrMapOvr>
     <a:masterClrMapping/>
   </p:clrMapOvr>
+  <p:timing>
+    <p:tnLst>
+      <p:par>
+        <p:cTn id="1" dur="indefinite" restart="never" nodeType="tmRoot"/>
+      </p:par>
+    </p:tnLst>
+  </p:timing>
 </p:sld>
 </file>
 
@@ -4560,8 +5042,8 @@
         </p:blipFill>
         <p:spPr>
           <a:xfrm>
-            <a:off x="1135788" y="1282769"/>
-            <a:ext cx="9972675" cy="5010150"/>
+            <a:off x="1150076" y="1282769"/>
+            <a:ext cx="9944100" cy="5191125"/>
           </a:xfrm>
           <a:prstGeom prst="rect">
             <a:avLst/>
@@ -4680,17 +5162,17 @@
         </p:nvSpPr>
         <p:spPr>
           <a:xfrm>
-            <a:off x="5891349" y="4950823"/>
-            <a:ext cx="705394" cy="222068"/>
+            <a:off x="1776549" y="4153989"/>
+            <a:ext cx="3631474" cy="222068"/>
           </a:xfrm>
           <a:prstGeom prst="rect">
             <a:avLst/>
           </a:prstGeom>
-          <a:solidFill>
-            <a:schemeClr val="bg1"/>
-          </a:solidFill>
-          <a:ln>
-            <a:noFill/>
+          <a:noFill/>
+          <a:ln w="28575">
+            <a:solidFill>
+              <a:srgbClr val="FF0000"/>
+            </a:solidFill>
           </a:ln>
         </p:spPr>
         <p:style>
@@ -4718,25 +5200,92 @@
           </a:p>
         </p:txBody>
       </p:sp>
-      <p:sp>
-        <p:nvSpPr>
-          <p:cNvPr id="9" name="Retângulo 8"/>
-          <p:cNvSpPr/>
+      <p:cxnSp>
+        <p:nvCxnSpPr>
+          <p:cNvPr id="10" name="Conector Angulado 9"/>
+          <p:cNvCxnSpPr/>
           <p:nvPr/>
-        </p:nvSpPr>
+        </p:nvCxnSpPr>
         <p:spPr>
-          <a:xfrm>
-            <a:off x="2751909" y="3317966"/>
-            <a:ext cx="1258388" cy="165462"/>
+          <a:xfrm flipV="1">
+            <a:off x="5408023" y="3487783"/>
+            <a:ext cx="927463" cy="783771"/>
+          </a:xfrm>
+          <a:prstGeom prst="bentConnector3">
+            <a:avLst/>
+          </a:prstGeom>
+          <a:ln>
+            <a:solidFill>
+              <a:srgbClr val="FF0000"/>
+            </a:solidFill>
+            <a:tailEnd type="triangle"/>
+          </a:ln>
+        </p:spPr>
+        <p:style>
+          <a:lnRef idx="1">
+            <a:schemeClr val="accent1"/>
+          </a:lnRef>
+          <a:fillRef idx="0">
+            <a:schemeClr val="accent1"/>
+          </a:fillRef>
+          <a:effectRef idx="0">
+            <a:schemeClr val="accent1"/>
+          </a:effectRef>
+          <a:fontRef idx="minor">
+            <a:schemeClr val="tx1"/>
+          </a:fontRef>
+        </p:style>
+      </p:cxnSp>
+      <p:sp>
+        <p:nvSpPr>
+          <p:cNvPr id="11" name="CaixaDeTexto 10"/>
+          <p:cNvSpPr txBox="1"/>
+          <p:nvPr/>
+        </p:nvSpPr>
+        <p:spPr>
+          <a:xfrm>
+            <a:off x="6165668" y="3211960"/>
+            <a:ext cx="2873829" cy="1384995"/>
           </a:xfrm>
           <a:prstGeom prst="rect">
             <a:avLst/>
           </a:prstGeom>
-          <a:solidFill>
-            <a:schemeClr val="bg1"/>
-          </a:solidFill>
+          <a:noFill/>
+        </p:spPr>
+        <p:txBody>
+          <a:bodyPr wrap="square" rtlCol="0">
+            <a:spAutoFit/>
+          </a:bodyPr>
+          <a:lstStyle/>
+          <a:p>
+            <a:pPr algn="ctr"/>
+            <a:r>
+              <a:rPr lang="pt-BR" sz="2800" dirty="0" smtClean="0"/>
+              <a:t>Clique com o botão esquerdo do mousse</a:t>
+            </a:r>
+            <a:endParaRPr lang="pt-BR" sz="2800" dirty="0"/>
+          </a:p>
+        </p:txBody>
+      </p:sp>
+      <p:sp>
+        <p:nvSpPr>
+          <p:cNvPr id="12" name="Retângulo 11"/>
+          <p:cNvSpPr/>
+          <p:nvPr/>
+        </p:nvSpPr>
+        <p:spPr>
+          <a:xfrm>
+            <a:off x="6335486" y="3211960"/>
+            <a:ext cx="2599508" cy="1384995"/>
+          </a:xfrm>
+          <a:prstGeom prst="rect">
+            <a:avLst/>
+          </a:prstGeom>
+          <a:noFill/>
           <a:ln>
-            <a:noFill/>
+            <a:solidFill>
+              <a:srgbClr val="FF0000"/>
+            </a:solidFill>
           </a:ln>
         </p:spPr>
         <p:style>
@@ -4764,25 +5313,190 @@
           </a:p>
         </p:txBody>
       </p:sp>
-      <p:sp>
-        <p:nvSpPr>
-          <p:cNvPr id="10" name="Retângulo 9"/>
-          <p:cNvSpPr/>
+    </p:spTree>
+    <p:extLst>
+      <p:ext uri="{BB962C8B-B14F-4D97-AF65-F5344CB8AC3E}">
+        <p14:creationId xmlns:p14="http://schemas.microsoft.com/office/powerpoint/2010/main" val="1198552698"/>
+      </p:ext>
+    </p:extLst>
+  </p:cSld>
+  <p:clrMapOvr>
+    <a:masterClrMapping/>
+  </p:clrMapOvr>
+  <p:timing>
+    <p:tnLst>
+      <p:par>
+        <p:cTn id="1" dur="indefinite" restart="never" nodeType="tmRoot"/>
+      </p:par>
+    </p:tnLst>
+  </p:timing>
+</p:sld>
+</file>
+
+<file path=ppt/slides/slide4.xml><?xml version="1.0" encoding="utf-8"?>
+<p:sld xmlns:a="http://schemas.openxmlformats.org/drawingml/2006/main" xmlns:r="http://schemas.openxmlformats.org/officeDocument/2006/relationships" xmlns:p="http://schemas.openxmlformats.org/presentationml/2006/main">
+  <p:cSld>
+    <p:spTree>
+      <p:nvGrpSpPr>
+        <p:cNvPr id="1" name=""/>
+        <p:cNvGrpSpPr/>
+        <p:nvPr/>
+      </p:nvGrpSpPr>
+      <p:grpSpPr>
+        <a:xfrm>
+          <a:off x="0" y="0"/>
+          <a:ext cx="0" cy="0"/>
+          <a:chOff x="0" y="0"/>
+          <a:chExt cx="0" cy="0"/>
+        </a:xfrm>
+      </p:grpSpPr>
+      <p:pic>
+        <p:nvPicPr>
+          <p:cNvPr id="4" name="Imagem 3"/>
+          <p:cNvPicPr>
+            <a:picLocks noChangeAspect="1"/>
+          </p:cNvPicPr>
           <p:nvPr/>
-        </p:nvSpPr>
+        </p:nvPicPr>
+        <p:blipFill>
+          <a:blip r:embed="rId2"/>
+          <a:stretch>
+            <a:fillRect/>
+          </a:stretch>
+        </p:blipFill>
         <p:spPr>
           <a:xfrm>
-            <a:off x="4781006" y="4741818"/>
-            <a:ext cx="2808514" cy="209005"/>
+            <a:off x="1135788" y="1282769"/>
+            <a:ext cx="9972675" cy="5010150"/>
           </a:xfrm>
           <a:prstGeom prst="rect">
             <a:avLst/>
           </a:prstGeom>
-          <a:noFill/>
-          <a:ln w="28575">
+        </p:spPr>
+      </p:pic>
+      <p:grpSp>
+        <p:nvGrpSpPr>
+          <p:cNvPr id="5" name="Agrupar 4"/>
+          <p:cNvGrpSpPr/>
+          <p:nvPr/>
+        </p:nvGrpSpPr>
+        <p:grpSpPr>
+          <a:xfrm>
+            <a:off x="0" y="0"/>
+            <a:ext cx="12192000" cy="1282769"/>
+            <a:chOff x="0" y="0"/>
+            <a:chExt cx="12192000" cy="1282769"/>
+          </a:xfrm>
+        </p:grpSpPr>
+        <p:sp>
+          <p:nvSpPr>
+            <p:cNvPr id="6" name="Retângulo 5"/>
+            <p:cNvSpPr/>
+            <p:nvPr/>
+          </p:nvSpPr>
+          <p:spPr>
+            <a:xfrm>
+              <a:off x="1632857" y="0"/>
+              <a:ext cx="10559143" cy="1282769"/>
+            </a:xfrm>
+            <a:prstGeom prst="rect">
+              <a:avLst/>
+            </a:prstGeom>
             <a:solidFill>
-              <a:srgbClr val="FF0000"/>
+              <a:srgbClr val="006461"/>
             </a:solidFill>
+          </p:spPr>
+          <p:style>
+            <a:lnRef idx="2">
+              <a:schemeClr val="accent1">
+                <a:shade val="50000"/>
+              </a:schemeClr>
+            </a:lnRef>
+            <a:fillRef idx="1">
+              <a:schemeClr val="accent1"/>
+            </a:fillRef>
+            <a:effectRef idx="0">
+              <a:schemeClr val="accent1"/>
+            </a:effectRef>
+            <a:fontRef idx="minor">
+              <a:schemeClr val="lt1"/>
+            </a:fontRef>
+          </p:style>
+          <p:txBody>
+            <a:bodyPr rtlCol="0" anchor="ctr"/>
+            <a:lstStyle/>
+            <a:p>
+              <a:pPr algn="ctr"/>
+              <a:endParaRPr lang="pt-BR"/>
+            </a:p>
+          </p:txBody>
+        </p:sp>
+        <p:pic>
+          <p:nvPicPr>
+            <p:cNvPr id="7" name="Imagem 6">
+              <a:extLst>
+                <a:ext uri="{FF2B5EF4-FFF2-40B4-BE49-F238E27FC236}">
+                  <a16:creationId xmlns:a16="http://schemas.microsoft.com/office/drawing/2014/main" id="{FEC16F6E-8DF3-4422-8E41-35D556DF9F14}"/>
+                </a:ext>
+              </a:extLst>
+            </p:cNvPr>
+            <p:cNvPicPr>
+              <a:picLocks noChangeAspect="1"/>
+            </p:cNvPicPr>
+            <p:nvPr/>
+          </p:nvPicPr>
+          <p:blipFill>
+            <a:blip r:embed="rId3" cstate="print">
+              <a:extLst>
+                <a:ext uri="{28A0092B-C50C-407E-A947-70E740481C1C}">
+                  <a14:useLocalDpi xmlns:a14="http://schemas.microsoft.com/office/drawing/2010/main" val="0"/>
+                </a:ext>
+              </a:extLst>
+            </a:blip>
+            <a:stretch>
+              <a:fillRect/>
+            </a:stretch>
+          </p:blipFill>
+          <p:spPr>
+            <a:xfrm>
+              <a:off x="0" y="0"/>
+              <a:ext cx="1632857" cy="1282769"/>
+            </a:xfrm>
+            <a:prstGeom prst="rect">
+              <a:avLst/>
+            </a:prstGeom>
+            <a:ln>
+              <a:noFill/>
+            </a:ln>
+            <a:effectLst>
+              <a:outerShdw blurRad="190500" algn="tl" rotWithShape="0">
+                <a:srgbClr val="000000">
+                  <a:alpha val="70000"/>
+                </a:srgbClr>
+              </a:outerShdw>
+            </a:effectLst>
+          </p:spPr>
+        </p:pic>
+      </p:grpSp>
+      <p:sp>
+        <p:nvSpPr>
+          <p:cNvPr id="8" name="Retângulo 7"/>
+          <p:cNvSpPr/>
+          <p:nvPr/>
+        </p:nvSpPr>
+        <p:spPr>
+          <a:xfrm>
+            <a:off x="5891349" y="4950823"/>
+            <a:ext cx="705394" cy="222068"/>
+          </a:xfrm>
+          <a:prstGeom prst="rect">
+            <a:avLst/>
+          </a:prstGeom>
+          <a:solidFill>
+            <a:schemeClr val="bg1"/>
+          </a:solidFill>
+          <a:ln>
+            <a:noFill/>
           </a:ln>
         </p:spPr>
         <p:style>
@@ -4810,6 +5524,98 @@
           </a:p>
         </p:txBody>
       </p:sp>
+      <p:sp>
+        <p:nvSpPr>
+          <p:cNvPr id="9" name="Retângulo 8"/>
+          <p:cNvSpPr/>
+          <p:nvPr/>
+        </p:nvSpPr>
+        <p:spPr>
+          <a:xfrm>
+            <a:off x="2751909" y="3317966"/>
+            <a:ext cx="1258388" cy="165462"/>
+          </a:xfrm>
+          <a:prstGeom prst="rect">
+            <a:avLst/>
+          </a:prstGeom>
+          <a:solidFill>
+            <a:schemeClr val="bg1"/>
+          </a:solidFill>
+          <a:ln>
+            <a:noFill/>
+          </a:ln>
+        </p:spPr>
+        <p:style>
+          <a:lnRef idx="2">
+            <a:schemeClr val="accent1">
+              <a:shade val="50000"/>
+            </a:schemeClr>
+          </a:lnRef>
+          <a:fillRef idx="1">
+            <a:schemeClr val="accent1"/>
+          </a:fillRef>
+          <a:effectRef idx="0">
+            <a:schemeClr val="accent1"/>
+          </a:effectRef>
+          <a:fontRef idx="minor">
+            <a:schemeClr val="lt1"/>
+          </a:fontRef>
+        </p:style>
+        <p:txBody>
+          <a:bodyPr rtlCol="0" anchor="ctr"/>
+          <a:lstStyle/>
+          <a:p>
+            <a:pPr algn="ctr"/>
+            <a:endParaRPr lang="pt-BR"/>
+          </a:p>
+        </p:txBody>
+      </p:sp>
+      <p:sp>
+        <p:nvSpPr>
+          <p:cNvPr id="10" name="Retângulo 9"/>
+          <p:cNvSpPr/>
+          <p:nvPr/>
+        </p:nvSpPr>
+        <p:spPr>
+          <a:xfrm>
+            <a:off x="4781006" y="4741818"/>
+            <a:ext cx="2808514" cy="209005"/>
+          </a:xfrm>
+          <a:prstGeom prst="rect">
+            <a:avLst/>
+          </a:prstGeom>
+          <a:noFill/>
+          <a:ln w="28575">
+            <a:solidFill>
+              <a:srgbClr val="FF0000"/>
+            </a:solidFill>
+          </a:ln>
+        </p:spPr>
+        <p:style>
+          <a:lnRef idx="2">
+            <a:schemeClr val="accent1">
+              <a:shade val="50000"/>
+            </a:schemeClr>
+          </a:lnRef>
+          <a:fillRef idx="1">
+            <a:schemeClr val="accent1"/>
+          </a:fillRef>
+          <a:effectRef idx="0">
+            <a:schemeClr val="accent1"/>
+          </a:effectRef>
+          <a:fontRef idx="minor">
+            <a:schemeClr val="lt1"/>
+          </a:fontRef>
+        </p:style>
+        <p:txBody>
+          <a:bodyPr rtlCol="0" anchor="ctr"/>
+          <a:lstStyle/>
+          <a:p>
+            <a:pPr algn="ctr"/>
+            <a:endParaRPr lang="pt-BR"/>
+          </a:p>
+        </p:txBody>
+      </p:sp>
     </p:spTree>
     <p:extLst>
       <p:ext uri="{BB962C8B-B14F-4D97-AF65-F5344CB8AC3E}">
@@ -4823,7 +5629,7 @@
 </p:sld>
 </file>
 
-<file path=ppt/slides/slide4.xml><?xml version="1.0" encoding="utf-8"?>
+<file path=ppt/slides/slide5.xml><?xml version="1.0" encoding="utf-8"?>
 <p:sld xmlns:a="http://schemas.openxmlformats.org/drawingml/2006/main" xmlns:r="http://schemas.openxmlformats.org/officeDocument/2006/relationships" xmlns:p="http://schemas.openxmlformats.org/presentationml/2006/main">
   <p:cSld>
     <p:spTree>
@@ -5285,7 +6091,7 @@
 </p:sld>
 </file>
 
-<file path=ppt/slides/slide5.xml><?xml version="1.0" encoding="utf-8"?>
+<file path=ppt/slides/slide6.xml><?xml version="1.0" encoding="utf-8"?>
 <p:sld xmlns:a="http://schemas.openxmlformats.org/drawingml/2006/main" xmlns:r="http://schemas.openxmlformats.org/officeDocument/2006/relationships" xmlns:p="http://schemas.openxmlformats.org/presentationml/2006/main">
   <p:cSld>
     <p:spTree>
@@ -5548,7 +6354,7 @@
 </p:sld>
 </file>
 
-<file path=ppt/slides/slide6.xml><?xml version="1.0" encoding="utf-8"?>
+<file path=ppt/slides/slide7.xml><?xml version="1.0" encoding="utf-8"?>
 <p:sld xmlns:a="http://schemas.openxmlformats.org/drawingml/2006/main" xmlns:r="http://schemas.openxmlformats.org/officeDocument/2006/relationships" xmlns:p="http://schemas.openxmlformats.org/presentationml/2006/main">
   <p:cSld>
     <p:spTree>
@@ -5834,7 +6640,7 @@
 </p:sld>
 </file>
 
-<file path=ppt/slides/slide7.xml><?xml version="1.0" encoding="utf-8"?>
+<file path=ppt/slides/slide8.xml><?xml version="1.0" encoding="utf-8"?>
 <p:sld xmlns:a="http://schemas.openxmlformats.org/drawingml/2006/main" xmlns:r="http://schemas.openxmlformats.org/officeDocument/2006/relationships" xmlns:p="http://schemas.openxmlformats.org/presentationml/2006/main">
   <p:cSld>
     <p:spTree>
@@ -6097,7 +6903,7 @@
 </p:sld>
 </file>
 
-<file path=ppt/slides/slide8.xml><?xml version="1.0" encoding="utf-8"?>
+<file path=ppt/slides/slide9.xml><?xml version="1.0" encoding="utf-8"?>
 <p:sld xmlns:a="http://schemas.openxmlformats.org/drawingml/2006/main" xmlns:r="http://schemas.openxmlformats.org/officeDocument/2006/relationships" xmlns:p="http://schemas.openxmlformats.org/presentationml/2006/main">
   <p:cSld>
     <p:spTree>
@@ -6298,456 +7104,6 @@
   <p:clrMapOvr>
     <a:masterClrMapping/>
   </p:clrMapOvr>
-</p:sld>
-</file>
-
-<file path=ppt/slides/slide9.xml><?xml version="1.0" encoding="utf-8"?>
-<p:sld xmlns:a="http://schemas.openxmlformats.org/drawingml/2006/main" xmlns:r="http://schemas.openxmlformats.org/officeDocument/2006/relationships" xmlns:p="http://schemas.openxmlformats.org/presentationml/2006/main">
-  <p:cSld>
-    <p:spTree>
-      <p:nvGrpSpPr>
-        <p:cNvPr id="1" name=""/>
-        <p:cNvGrpSpPr/>
-        <p:nvPr/>
-      </p:nvGrpSpPr>
-      <p:grpSpPr>
-        <a:xfrm>
-          <a:off x="0" y="0"/>
-          <a:ext cx="0" cy="0"/>
-          <a:chOff x="0" y="0"/>
-          <a:chExt cx="0" cy="0"/>
-        </a:xfrm>
-      </p:grpSpPr>
-      <p:grpSp>
-        <p:nvGrpSpPr>
-          <p:cNvPr id="4" name="Agrupar 3"/>
-          <p:cNvGrpSpPr/>
-          <p:nvPr/>
-        </p:nvGrpSpPr>
-        <p:grpSpPr>
-          <a:xfrm>
-            <a:off x="0" y="0"/>
-            <a:ext cx="12192000" cy="1282769"/>
-            <a:chOff x="0" y="0"/>
-            <a:chExt cx="12192000" cy="1282769"/>
-          </a:xfrm>
-        </p:grpSpPr>
-        <p:sp>
-          <p:nvSpPr>
-            <p:cNvPr id="5" name="Retângulo 4"/>
-            <p:cNvSpPr/>
-            <p:nvPr/>
-          </p:nvSpPr>
-          <p:spPr>
-            <a:xfrm>
-              <a:off x="1632857" y="0"/>
-              <a:ext cx="10559143" cy="1282769"/>
-            </a:xfrm>
-            <a:prstGeom prst="rect">
-              <a:avLst/>
-            </a:prstGeom>
-            <a:solidFill>
-              <a:srgbClr val="006461"/>
-            </a:solidFill>
-          </p:spPr>
-          <p:style>
-            <a:lnRef idx="2">
-              <a:schemeClr val="accent1">
-                <a:shade val="50000"/>
-              </a:schemeClr>
-            </a:lnRef>
-            <a:fillRef idx="1">
-              <a:schemeClr val="accent1"/>
-            </a:fillRef>
-            <a:effectRef idx="0">
-              <a:schemeClr val="accent1"/>
-            </a:effectRef>
-            <a:fontRef idx="minor">
-              <a:schemeClr val="lt1"/>
-            </a:fontRef>
-          </p:style>
-          <p:txBody>
-            <a:bodyPr rtlCol="0" anchor="ctr"/>
-            <a:lstStyle/>
-            <a:p>
-              <a:pPr algn="ctr"/>
-              <a:endParaRPr lang="pt-BR"/>
-            </a:p>
-          </p:txBody>
-        </p:sp>
-        <p:pic>
-          <p:nvPicPr>
-            <p:cNvPr id="6" name="Imagem 5">
-              <a:extLst>
-                <a:ext uri="{FF2B5EF4-FFF2-40B4-BE49-F238E27FC236}">
-                  <a16:creationId xmlns:a16="http://schemas.microsoft.com/office/drawing/2014/main" id="{FEC16F6E-8DF3-4422-8E41-35D556DF9F14}"/>
-                </a:ext>
-              </a:extLst>
-            </p:cNvPr>
-            <p:cNvPicPr>
-              <a:picLocks noChangeAspect="1"/>
-            </p:cNvPicPr>
-            <p:nvPr/>
-          </p:nvPicPr>
-          <p:blipFill>
-            <a:blip r:embed="rId2" cstate="print">
-              <a:extLst>
-                <a:ext uri="{28A0092B-C50C-407E-A947-70E740481C1C}">
-                  <a14:useLocalDpi xmlns:a14="http://schemas.microsoft.com/office/drawing/2010/main" val="0"/>
-                </a:ext>
-              </a:extLst>
-            </a:blip>
-            <a:stretch>
-              <a:fillRect/>
-            </a:stretch>
-          </p:blipFill>
-          <p:spPr>
-            <a:xfrm>
-              <a:off x="0" y="0"/>
-              <a:ext cx="1632857" cy="1282769"/>
-            </a:xfrm>
-            <a:prstGeom prst="rect">
-              <a:avLst/>
-            </a:prstGeom>
-            <a:ln>
-              <a:noFill/>
-            </a:ln>
-            <a:effectLst>
-              <a:outerShdw blurRad="190500" algn="tl" rotWithShape="0">
-                <a:srgbClr val="000000">
-                  <a:alpha val="70000"/>
-                </a:srgbClr>
-              </a:outerShdw>
-            </a:effectLst>
-          </p:spPr>
-        </p:pic>
-      </p:grpSp>
-      <p:pic>
-        <p:nvPicPr>
-          <p:cNvPr id="8" name="Espaço Reservado para Conteúdo 7"/>
-          <p:cNvPicPr>
-            <a:picLocks noGrp="1" noChangeAspect="1"/>
-          </p:cNvPicPr>
-          <p:nvPr>
-            <p:ph idx="1"/>
-          </p:nvPr>
-        </p:nvPicPr>
-        <p:blipFill rotWithShape="1">
-          <a:blip r:embed="rId3">
-            <a:extLst>
-              <a:ext uri="{28A0092B-C50C-407E-A947-70E740481C1C}">
-                <a14:useLocalDpi xmlns:a14="http://schemas.microsoft.com/office/drawing/2010/main" val="0"/>
-              </a:ext>
-            </a:extLst>
-          </a:blip>
-          <a:srcRect l="33419" t="2775" r="33901" b="3562"/>
-          <a:stretch/>
-        </p:blipFill>
-        <p:spPr>
-          <a:xfrm>
-            <a:off x="4059476" y="1282770"/>
-            <a:ext cx="3777567" cy="5215050"/>
-          </a:xfrm>
-        </p:spPr>
-      </p:pic>
-      <p:pic>
-        <p:nvPicPr>
-          <p:cNvPr id="5122" name="Picture 2" descr="ARAUCO Brasil | Coleção Masisa | Branco Platinum"/>
-          <p:cNvPicPr>
-            <a:picLocks noChangeAspect="1" noChangeArrowheads="1"/>
-          </p:cNvPicPr>
-          <p:nvPr/>
-        </p:nvPicPr>
-        <p:blipFill rotWithShape="1">
-          <a:blip r:embed="rId4">
-            <a:extLst>
-              <a:ext uri="{28A0092B-C50C-407E-A947-70E740481C1C}">
-                <a14:useLocalDpi xmlns:a14="http://schemas.microsoft.com/office/drawing/2010/main" val="0"/>
-              </a:ext>
-            </a:extLst>
-          </a:blip>
-          <a:srcRect r="34944" b="8168"/>
-          <a:stretch/>
-        </p:blipFill>
-        <p:spPr bwMode="auto">
-          <a:xfrm>
-            <a:off x="3986886" y="3712759"/>
-            <a:ext cx="3263000" cy="545731"/>
-          </a:xfrm>
-          <a:prstGeom prst="rect">
-            <a:avLst/>
-          </a:prstGeom>
-          <a:noFill/>
-          <a:extLst>
-            <a:ext uri="{909E8E84-426E-40DD-AFC4-6F175D3DCCD1}">
-              <a14:hiddenFill xmlns:a14="http://schemas.microsoft.com/office/drawing/2010/main">
-                <a:solidFill>
-                  <a:srgbClr val="FFFFFF"/>
-                </a:solidFill>
-              </a14:hiddenFill>
-            </a:ext>
-          </a:extLst>
-        </p:spPr>
-      </p:pic>
-      <p:sp>
-        <p:nvSpPr>
-          <p:cNvPr id="10" name="Retângulo 9"/>
-          <p:cNvSpPr/>
-          <p:nvPr/>
-        </p:nvSpPr>
-        <p:spPr>
-          <a:xfrm>
-            <a:off x="4339045" y="3799440"/>
-            <a:ext cx="2793275" cy="476858"/>
-          </a:xfrm>
-          <a:prstGeom prst="rect">
-            <a:avLst/>
-          </a:prstGeom>
-          <a:noFill/>
-          <a:ln w="28575">
-            <a:solidFill>
-              <a:srgbClr val="FF0000"/>
-            </a:solidFill>
-          </a:ln>
-        </p:spPr>
-        <p:style>
-          <a:lnRef idx="2">
-            <a:schemeClr val="accent1">
-              <a:shade val="50000"/>
-            </a:schemeClr>
-          </a:lnRef>
-          <a:fillRef idx="1">
-            <a:schemeClr val="accent1"/>
-          </a:fillRef>
-          <a:effectRef idx="0">
-            <a:schemeClr val="accent1"/>
-          </a:effectRef>
-          <a:fontRef idx="minor">
-            <a:schemeClr val="lt1"/>
-          </a:fontRef>
-        </p:style>
-        <p:txBody>
-          <a:bodyPr rtlCol="0" anchor="ctr"/>
-          <a:lstStyle/>
-          <a:p>
-            <a:pPr algn="ctr"/>
-            <a:endParaRPr lang="pt-BR"/>
-          </a:p>
-        </p:txBody>
-      </p:sp>
-      <p:sp>
-        <p:nvSpPr>
-          <p:cNvPr id="11" name="Retângulo 10"/>
-          <p:cNvSpPr/>
-          <p:nvPr/>
-        </p:nvSpPr>
-        <p:spPr>
-          <a:xfrm>
-            <a:off x="4536515" y="3844299"/>
-            <a:ext cx="2435347" cy="369332"/>
-          </a:xfrm>
-          <a:prstGeom prst="rect">
-            <a:avLst/>
-          </a:prstGeom>
-        </p:spPr>
-        <p:txBody>
-          <a:bodyPr wrap="none">
-            <a:spAutoFit/>
-          </a:bodyPr>
-          <a:lstStyle/>
-          <a:p>
-            <a:r>
-              <a:rPr lang="pt-BR" dirty="0"/>
-              <a:t>Digite a senha </a:t>
-            </a:r>
-            <a:r>
-              <a:rPr lang="pt-BR" dirty="0" smtClean="0"/>
-              <a:t>definitiva</a:t>
-            </a:r>
-            <a:endParaRPr lang="pt-BR" dirty="0"/>
-          </a:p>
-        </p:txBody>
-      </p:sp>
-      <p:pic>
-        <p:nvPicPr>
-          <p:cNvPr id="15" name="Picture 2" descr="ARAUCO Brasil | Coleção Masisa | Branco Platinum"/>
-          <p:cNvPicPr>
-            <a:picLocks noChangeAspect="1" noChangeArrowheads="1"/>
-          </p:cNvPicPr>
-          <p:nvPr/>
-        </p:nvPicPr>
-        <p:blipFill>
-          <a:blip r:embed="rId5" cstate="print">
-            <a:extLst>
-              <a:ext uri="{28A0092B-C50C-407E-A947-70E740481C1C}">
-                <a14:useLocalDpi xmlns:a14="http://schemas.microsoft.com/office/drawing/2010/main" val="0"/>
-              </a:ext>
-            </a:extLst>
-          </a:blip>
-          <a:srcRect/>
-          <a:stretch>
-            <a:fillRect/>
-          </a:stretch>
-        </p:blipFill>
-        <p:spPr bwMode="auto">
-          <a:xfrm>
-            <a:off x="4470346" y="4620233"/>
-            <a:ext cx="1943331" cy="287798"/>
-          </a:xfrm>
-          <a:prstGeom prst="rect">
-            <a:avLst/>
-          </a:prstGeom>
-          <a:noFill/>
-          <a:extLst>
-            <a:ext uri="{909E8E84-426E-40DD-AFC4-6F175D3DCCD1}">
-              <a14:hiddenFill xmlns:a14="http://schemas.microsoft.com/office/drawing/2010/main">
-                <a:solidFill>
-                  <a:srgbClr val="FFFFFF"/>
-                </a:solidFill>
-              </a14:hiddenFill>
-            </a:ext>
-          </a:extLst>
-        </p:spPr>
-      </p:pic>
-      <p:pic>
-        <p:nvPicPr>
-          <p:cNvPr id="14" name="Picture 2" descr="ARAUCO Brasil | Coleção Masisa | Branco Platinum"/>
-          <p:cNvPicPr>
-            <a:picLocks noChangeAspect="1" noChangeArrowheads="1"/>
-          </p:cNvPicPr>
-          <p:nvPr/>
-        </p:nvPicPr>
-        <p:blipFill rotWithShape="1">
-          <a:blip r:embed="rId4">
-            <a:extLst>
-              <a:ext uri="{28A0092B-C50C-407E-A947-70E740481C1C}">
-                <a14:useLocalDpi xmlns:a14="http://schemas.microsoft.com/office/drawing/2010/main" val="0"/>
-              </a:ext>
-            </a:extLst>
-          </a:blip>
-          <a:srcRect r="34944" b="8168"/>
-          <a:stretch/>
-        </p:blipFill>
-        <p:spPr bwMode="auto">
-          <a:xfrm>
-            <a:off x="4146957" y="4491266"/>
-            <a:ext cx="3263000" cy="545731"/>
-          </a:xfrm>
-          <a:prstGeom prst="rect">
-            <a:avLst/>
-          </a:prstGeom>
-          <a:noFill/>
-          <a:extLst>
-            <a:ext uri="{909E8E84-426E-40DD-AFC4-6F175D3DCCD1}">
-              <a14:hiddenFill xmlns:a14="http://schemas.microsoft.com/office/drawing/2010/main">
-                <a:solidFill>
-                  <a:srgbClr val="FFFFFF"/>
-                </a:solidFill>
-              </a14:hiddenFill>
-            </a:ext>
-          </a:extLst>
-        </p:spPr>
-      </p:pic>
-      <p:sp>
-        <p:nvSpPr>
-          <p:cNvPr id="12" name="Retângulo 11"/>
-          <p:cNvSpPr/>
-          <p:nvPr/>
-        </p:nvSpPr>
-        <p:spPr>
-          <a:xfrm>
-            <a:off x="4536515" y="4520891"/>
-            <a:ext cx="2483885" cy="369332"/>
-          </a:xfrm>
-          <a:prstGeom prst="rect">
-            <a:avLst/>
-          </a:prstGeom>
-        </p:spPr>
-        <p:txBody>
-          <a:bodyPr wrap="none">
-            <a:spAutoFit/>
-          </a:bodyPr>
-          <a:lstStyle/>
-          <a:p>
-            <a:r>
-              <a:rPr lang="pt-BR" dirty="0" smtClean="0"/>
-              <a:t>Repita a </a:t>
-            </a:r>
-            <a:r>
-              <a:rPr lang="pt-BR" dirty="0"/>
-              <a:t>senha </a:t>
-            </a:r>
-            <a:r>
-              <a:rPr lang="pt-BR" dirty="0" smtClean="0"/>
-              <a:t>definitiva</a:t>
-            </a:r>
-            <a:endParaRPr lang="pt-BR" dirty="0"/>
-          </a:p>
-        </p:txBody>
-      </p:sp>
-      <p:sp>
-        <p:nvSpPr>
-          <p:cNvPr id="13" name="Retângulo 12"/>
-          <p:cNvSpPr/>
-          <p:nvPr/>
-        </p:nvSpPr>
-        <p:spPr>
-          <a:xfrm>
-            <a:off x="4339045" y="4503083"/>
-            <a:ext cx="2793275" cy="404948"/>
-          </a:xfrm>
-          <a:prstGeom prst="rect">
-            <a:avLst/>
-          </a:prstGeom>
-          <a:noFill/>
-          <a:ln w="28575">
-            <a:solidFill>
-              <a:srgbClr val="FF0000"/>
-            </a:solidFill>
-          </a:ln>
-        </p:spPr>
-        <p:style>
-          <a:lnRef idx="2">
-            <a:schemeClr val="accent1">
-              <a:shade val="50000"/>
-            </a:schemeClr>
-          </a:lnRef>
-          <a:fillRef idx="1">
-            <a:schemeClr val="accent1"/>
-          </a:fillRef>
-          <a:effectRef idx="0">
-            <a:schemeClr val="accent1"/>
-          </a:effectRef>
-          <a:fontRef idx="minor">
-            <a:schemeClr val="lt1"/>
-          </a:fontRef>
-        </p:style>
-        <p:txBody>
-          <a:bodyPr rtlCol="0" anchor="ctr"/>
-          <a:lstStyle/>
-          <a:p>
-            <a:pPr algn="ctr"/>
-            <a:endParaRPr lang="pt-BR"/>
-          </a:p>
-        </p:txBody>
-      </p:sp>
-    </p:spTree>
-    <p:extLst>
-      <p:ext uri="{BB962C8B-B14F-4D97-AF65-F5344CB8AC3E}">
-        <p14:creationId xmlns:p14="http://schemas.microsoft.com/office/powerpoint/2010/main" val="2100604034"/>
-      </p:ext>
-    </p:extLst>
-  </p:cSld>
-  <p:clrMapOvr>
-    <a:masterClrMapping/>
-  </p:clrMapOvr>
-  <p:timing>
-    <p:tnLst>
-      <p:par>
-        <p:cTn id="1" dur="indefinite" restart="never" nodeType="tmRoot"/>
-      </p:par>
-    </p:tnLst>
-  </p:timing>
 </p:sld>
 </file>
 
